--- a/Report/FinalProjectPresentation-Demo.pptx
+++ b/Report/FinalProjectPresentation-Demo.pptx
@@ -5561,10 +5561,25 @@
   <pc:docChgLst>
     <pc:chgData name="Hadi Aghazadeh" userId="b00fc067-4288-4d72-a1a2-55316581d833" providerId="ADAL" clId="{542A69B5-22B0-4AFA-9B42-EDEEBF86FE1B}"/>
     <pc:docChg chg="undo custSel addSld delSld modSld sldOrd">
-      <pc:chgData name="Hadi Aghazadeh" userId="b00fc067-4288-4d72-a1a2-55316581d833" providerId="ADAL" clId="{542A69B5-22B0-4AFA-9B42-EDEEBF86FE1B}" dt="2023-04-21T16:22:09.222" v="125"/>
+      <pc:chgData name="Hadi Aghazadeh" userId="b00fc067-4288-4d72-a1a2-55316581d833" providerId="ADAL" clId="{542A69B5-22B0-4AFA-9B42-EDEEBF86FE1B}" dt="2023-04-21T16:30:54.059" v="129" actId="20577"/>
       <pc:docMkLst>
         <pc:docMk/>
       </pc:docMkLst>
+      <pc:sldChg chg="modSp mod">
+        <pc:chgData name="Hadi Aghazadeh" userId="b00fc067-4288-4d72-a1a2-55316581d833" providerId="ADAL" clId="{542A69B5-22B0-4AFA-9B42-EDEEBF86FE1B}" dt="2023-04-21T16:30:54.059" v="129" actId="20577"/>
+        <pc:sldMkLst>
+          <pc:docMk/>
+          <pc:sldMk cId="2374729735" sldId="256"/>
+        </pc:sldMkLst>
+        <pc:spChg chg="mod">
+          <ac:chgData name="Hadi Aghazadeh" userId="b00fc067-4288-4d72-a1a2-55316581d833" providerId="ADAL" clId="{542A69B5-22B0-4AFA-9B42-EDEEBF86FE1B}" dt="2023-04-21T16:30:54.059" v="129" actId="20577"/>
+          <ac:spMkLst>
+            <pc:docMk/>
+            <pc:sldMk cId="2374729735" sldId="256"/>
+            <ac:spMk id="5" creationId="{B037332F-F808-E64C-8515-C367CB073A25}"/>
+          </ac:spMkLst>
+        </pc:spChg>
+      </pc:sldChg>
       <pc:sldChg chg="modSp del mod">
         <pc:chgData name="Hadi Aghazadeh" userId="b00fc067-4288-4d72-a1a2-55316581d833" providerId="ADAL" clId="{542A69B5-22B0-4AFA-9B42-EDEEBF86FE1B}" dt="2023-04-21T14:27:52.087" v="1" actId="47"/>
         <pc:sldMkLst>
@@ -13885,9 +13900,10 @@
           <a:lstStyle/>
           <a:p>
             <a:r>
-              <a:rPr lang="en-US" dirty="0"/>
-              <a:t>April-13-2023</a:t>
+              <a:rPr lang="en-US"/>
+              <a:t>April-21-2023</a:t>
             </a:r>
+            <a:endParaRPr lang="en-US" dirty="0"/>
           </a:p>
         </p:txBody>
       </p:sp>
@@ -15787,21 +15803,6 @@
 </file>
 
 <file path=customXml/item1.xml><?xml version="1.0" encoding="utf-8"?>
-<p:properties xmlns:p="http://schemas.microsoft.com/office/2006/metadata/properties" xmlns:xsi="http://www.w3.org/2001/XMLSchema-instance" xmlns:pc="http://schemas.microsoft.com/office/infopath/2007/PartnerControls">
-  <documentManagement/>
-</p:properties>
-</file>
-
-<file path=customXml/item2.xml><?xml version="1.0" encoding="utf-8"?>
-<?mso-contentType ?>
-<FormTemplates xmlns="http://schemas.microsoft.com/sharepoint/v3/contenttype/forms">
-  <Display>DocumentLibraryForm</Display>
-  <Edit>DocumentLibraryForm</Edit>
-  <New>DocumentLibraryForm</New>
-</FormTemplates>
-</file>
-
-<file path=customXml/item3.xml><?xml version="1.0" encoding="utf-8"?>
 <ct:contentTypeSchema xmlns:ct="http://schemas.microsoft.com/office/2006/metadata/contentType" xmlns:ma="http://schemas.microsoft.com/office/2006/metadata/properties/metaAttributes" ct:_="" ma:_="" ma:contentTypeName="Document" ma:contentTypeID="0x0101008EB39ACD14D5E940972BB3020908F899" ma:contentTypeVersion="0" ma:contentTypeDescription="Create a new document." ma:contentTypeScope="" ma:versionID="cd4f962b02101eac44e4ec211e680e64">
   <xsd:schema xmlns:xsd="http://www.w3.org/2001/XMLSchema" xmlns:xs="http://www.w3.org/2001/XMLSchema" xmlns:p="http://schemas.microsoft.com/office/2006/metadata/properties" targetNamespace="http://schemas.microsoft.com/office/2006/metadata/properties" ma:root="true" ma:fieldsID="0b6c9a3818803fffc258f5932b465604">
     <xsd:element name="properties">
@@ -15915,17 +15916,33 @@
 </ct:contentTypeSchema>
 </file>
 
+<file path=customXml/item2.xml><?xml version="1.0" encoding="utf-8"?>
+<?mso-contentType ?>
+<FormTemplates xmlns="http://schemas.microsoft.com/sharepoint/v3/contenttype/forms">
+  <Display>DocumentLibraryForm</Display>
+  <Edit>DocumentLibraryForm</Edit>
+  <New>DocumentLibraryForm</New>
+</FormTemplates>
+</file>
+
+<file path=customXml/item3.xml><?xml version="1.0" encoding="utf-8"?>
+<p:properties xmlns:p="http://schemas.microsoft.com/office/2006/metadata/properties" xmlns:xsi="http://www.w3.org/2001/XMLSchema-instance" xmlns:pc="http://schemas.microsoft.com/office/infopath/2007/PartnerControls">
+  <documentManagement/>
+</p:properties>
+</file>
+
 <file path=customXml/itemProps1.xml><?xml version="1.0" encoding="utf-8"?>
-<ds:datastoreItem xmlns:ds="http://schemas.openxmlformats.org/officeDocument/2006/customXml" ds:itemID="{F0B8F560-7E6C-44AE-AFE4-924D1118F0AA}">
+<ds:datastoreItem xmlns:ds="http://schemas.openxmlformats.org/officeDocument/2006/customXml" ds:itemID="{4BB73B85-24E2-4ABC-A119-FC9DA7949BAB}">
   <ds:schemaRefs>
+    <ds:schemaRef ds:uri="http://schemas.microsoft.com/office/2006/metadata/contentType"/>
+    <ds:schemaRef ds:uri="http://schemas.microsoft.com/office/2006/metadata/properties/metaAttributes"/>
+    <ds:schemaRef ds:uri="http://www.w3.org/2001/XMLSchema"/>
+    <ds:schemaRef ds:uri="http://schemas.microsoft.com/office/2006/metadata/properties"/>
+    <ds:schemaRef ds:uri="http://schemas.openxmlformats.org/package/2006/metadata/core-properties"/>
     <ds:schemaRef ds:uri="http://purl.org/dc/elements/1.1/"/>
     <ds:schemaRef ds:uri="http://purl.org/dc/terms/"/>
-    <ds:schemaRef ds:uri="http://schemas.microsoft.com/office/2006/documentManagement/types"/>
-    <ds:schemaRef ds:uri="http://purl.org/dc/dcmitype/"/>
-    <ds:schemaRef ds:uri="http://schemas.microsoft.com/office/2006/metadata/properties"/>
+    <ds:schemaRef ds:uri="http://schemas.microsoft.com/internal/obd"/>
     <ds:schemaRef ds:uri="http://schemas.microsoft.com/office/infopath/2007/PartnerControls"/>
-    <ds:schemaRef ds:uri="http://schemas.openxmlformats.org/package/2006/metadata/core-properties"/>
-    <ds:schemaRef ds:uri="http://www.w3.org/XML/1998/namespace"/>
   </ds:schemaRefs>
 </ds:datastoreItem>
 </file>
@@ -15939,17 +15956,16 @@
 </file>
 
 <file path=customXml/itemProps3.xml><?xml version="1.0" encoding="utf-8"?>
-<ds:datastoreItem xmlns:ds="http://schemas.openxmlformats.org/officeDocument/2006/customXml" ds:itemID="{4BB73B85-24E2-4ABC-A119-FC9DA7949BAB}">
+<ds:datastoreItem xmlns:ds="http://schemas.openxmlformats.org/officeDocument/2006/customXml" ds:itemID="{F0B8F560-7E6C-44AE-AFE4-924D1118F0AA}">
   <ds:schemaRefs>
-    <ds:schemaRef ds:uri="http://schemas.microsoft.com/office/2006/metadata/contentType"/>
-    <ds:schemaRef ds:uri="http://schemas.microsoft.com/office/2006/metadata/properties/metaAttributes"/>
-    <ds:schemaRef ds:uri="http://www.w3.org/2001/XMLSchema"/>
-    <ds:schemaRef ds:uri="http://schemas.microsoft.com/office/2006/metadata/properties"/>
-    <ds:schemaRef ds:uri="http://schemas.openxmlformats.org/package/2006/metadata/core-properties"/>
     <ds:schemaRef ds:uri="http://purl.org/dc/elements/1.1/"/>
     <ds:schemaRef ds:uri="http://purl.org/dc/terms/"/>
-    <ds:schemaRef ds:uri="http://schemas.microsoft.com/internal/obd"/>
+    <ds:schemaRef ds:uri="http://schemas.microsoft.com/office/2006/documentManagement/types"/>
+    <ds:schemaRef ds:uri="http://purl.org/dc/dcmitype/"/>
+    <ds:schemaRef ds:uri="http://schemas.microsoft.com/office/2006/metadata/properties"/>
     <ds:schemaRef ds:uri="http://schemas.microsoft.com/office/infopath/2007/PartnerControls"/>
+    <ds:schemaRef ds:uri="http://schemas.openxmlformats.org/package/2006/metadata/core-properties"/>
+    <ds:schemaRef ds:uri="http://www.w3.org/XML/1998/namespace"/>
   </ds:schemaRefs>
 </ds:datastoreItem>
 </file>
--- a/Report/FinalProjectPresentation-Demo.pptx
+++ b/Report/FinalProjectPresentation-Demo.pptx
@@ -132,7 +132,7 @@
 <file path=ppt/revisionInfo.xml><?xml version="1.0" encoding="utf-8"?>
 <p1510:revInfo xmlns:a="http://schemas.openxmlformats.org/drawingml/2006/main" xmlns:r="http://schemas.openxmlformats.org/officeDocument/2006/relationships" xmlns:p1510="http://schemas.microsoft.com/office/powerpoint/2015/10/main">
   <p1510:revLst>
-    <p1510:client id="{542A69B5-22B0-4AFA-9B42-EDEEBF86FE1B}" v="9" dt="2023-04-21T16:20:24.643"/>
+    <p1510:client id="{542A69B5-22B0-4AFA-9B42-EDEEBF86FE1B}" v="10" dt="2023-04-21T17:29:05.449"/>
   </p1510:revLst>
 </p1510:revInfo>
 </file>
@@ -5561,7 +5561,7 @@
   <pc:docChgLst>
     <pc:chgData name="Hadi Aghazadeh" userId="b00fc067-4288-4d72-a1a2-55316581d833" providerId="ADAL" clId="{542A69B5-22B0-4AFA-9B42-EDEEBF86FE1B}"/>
     <pc:docChg chg="undo custSel addSld delSld modSld sldOrd">
-      <pc:chgData name="Hadi Aghazadeh" userId="b00fc067-4288-4d72-a1a2-55316581d833" providerId="ADAL" clId="{542A69B5-22B0-4AFA-9B42-EDEEBF86FE1B}" dt="2023-04-21T16:30:54.059" v="129" actId="20577"/>
+      <pc:chgData name="Hadi Aghazadeh" userId="b00fc067-4288-4d72-a1a2-55316581d833" providerId="ADAL" clId="{542A69B5-22B0-4AFA-9B42-EDEEBF86FE1B}" dt="2023-04-21T17:29:48.986" v="146" actId="20577"/>
       <pc:docMkLst>
         <pc:docMk/>
       </pc:docMkLst>
@@ -5603,13 +5603,13 @@
         </pc:sldMkLst>
       </pc:sldChg>
       <pc:sldChg chg="addSp delSp modSp mod">
-        <pc:chgData name="Hadi Aghazadeh" userId="b00fc067-4288-4d72-a1a2-55316581d833" providerId="ADAL" clId="{542A69B5-22B0-4AFA-9B42-EDEEBF86FE1B}" dt="2023-04-21T14:29:52.210" v="66" actId="26606"/>
+        <pc:chgData name="Hadi Aghazadeh" userId="b00fc067-4288-4d72-a1a2-55316581d833" providerId="ADAL" clId="{542A69B5-22B0-4AFA-9B42-EDEEBF86FE1B}" dt="2023-04-21T17:29:29.211" v="142" actId="1076"/>
         <pc:sldMkLst>
           <pc:docMk/>
           <pc:sldMk cId="4178121764" sldId="275"/>
         </pc:sldMkLst>
         <pc:spChg chg="mod">
-          <ac:chgData name="Hadi Aghazadeh" userId="b00fc067-4288-4d72-a1a2-55316581d833" providerId="ADAL" clId="{542A69B5-22B0-4AFA-9B42-EDEEBF86FE1B}" dt="2023-04-21T14:29:52.210" v="66" actId="26606"/>
+          <ac:chgData name="Hadi Aghazadeh" userId="b00fc067-4288-4d72-a1a2-55316581d833" providerId="ADAL" clId="{542A69B5-22B0-4AFA-9B42-EDEEBF86FE1B}" dt="2023-04-21T17:29:27.082" v="141" actId="1076"/>
           <ac:spMkLst>
             <pc:docMk/>
             <pc:sldMk cId="4178121764" sldId="275"/>
@@ -5649,7 +5649,7 @@
           </ac:spMkLst>
         </pc:spChg>
         <pc:spChg chg="mod">
-          <ac:chgData name="Hadi Aghazadeh" userId="b00fc067-4288-4d72-a1a2-55316581d833" providerId="ADAL" clId="{542A69B5-22B0-4AFA-9B42-EDEEBF86FE1B}" dt="2023-04-21T14:29:52.210" v="66" actId="26606"/>
+          <ac:chgData name="Hadi Aghazadeh" userId="b00fc067-4288-4d72-a1a2-55316581d833" providerId="ADAL" clId="{542A69B5-22B0-4AFA-9B42-EDEEBF86FE1B}" dt="2023-04-21T17:29:29.211" v="142" actId="1076"/>
           <ac:spMkLst>
             <pc:docMk/>
             <pc:sldMk cId="4178121764" sldId="275"/>
@@ -5690,13 +5690,13 @@
         </pc:picChg>
       </pc:sldChg>
       <pc:sldChg chg="addSp delSp modSp add mod">
-        <pc:chgData name="Hadi Aghazadeh" userId="b00fc067-4288-4d72-a1a2-55316581d833" providerId="ADAL" clId="{542A69B5-22B0-4AFA-9B42-EDEEBF86FE1B}" dt="2023-04-21T14:32:59.428" v="107" actId="313"/>
+        <pc:chgData name="Hadi Aghazadeh" userId="b00fc067-4288-4d72-a1a2-55316581d833" providerId="ADAL" clId="{542A69B5-22B0-4AFA-9B42-EDEEBF86FE1B}" dt="2023-04-21T17:29:48.986" v="146" actId="20577"/>
         <pc:sldMkLst>
           <pc:docMk/>
           <pc:sldMk cId="50924387" sldId="276"/>
         </pc:sldMkLst>
         <pc:spChg chg="mod">
-          <ac:chgData name="Hadi Aghazadeh" userId="b00fc067-4288-4d72-a1a2-55316581d833" providerId="ADAL" clId="{542A69B5-22B0-4AFA-9B42-EDEEBF86FE1B}" dt="2023-04-21T14:32:59.428" v="107" actId="313"/>
+          <ac:chgData name="Hadi Aghazadeh" userId="b00fc067-4288-4d72-a1a2-55316581d833" providerId="ADAL" clId="{542A69B5-22B0-4AFA-9B42-EDEEBF86FE1B}" dt="2023-04-21T17:29:48.986" v="146" actId="20577"/>
           <ac:spMkLst>
             <pc:docMk/>
             <pc:sldMk cId="50924387" sldId="276"/>
@@ -5873,7 +5873,7 @@
         </pc:picChg>
       </pc:sldChg>
       <pc:sldChg chg="addSp delSp modSp add mod ord">
-        <pc:chgData name="Hadi Aghazadeh" userId="b00fc067-4288-4d72-a1a2-55316581d833" providerId="ADAL" clId="{542A69B5-22B0-4AFA-9B42-EDEEBF86FE1B}" dt="2023-04-21T16:22:09.222" v="125"/>
+        <pc:chgData name="Hadi Aghazadeh" userId="b00fc067-4288-4d72-a1a2-55316581d833" providerId="ADAL" clId="{542A69B5-22B0-4AFA-9B42-EDEEBF86FE1B}" dt="2023-04-21T17:29:14.460" v="138" actId="14100"/>
         <pc:sldMkLst>
           <pc:docMk/>
           <pc:sldMk cId="3003864728" sldId="277"/>
@@ -5887,7 +5887,7 @@
           </ac:spMkLst>
         </pc:spChg>
         <pc:spChg chg="mod ord">
-          <ac:chgData name="Hadi Aghazadeh" userId="b00fc067-4288-4d72-a1a2-55316581d833" providerId="ADAL" clId="{542A69B5-22B0-4AFA-9B42-EDEEBF86FE1B}" dt="2023-04-21T16:21:26.208" v="119" actId="26606"/>
+          <ac:chgData name="Hadi Aghazadeh" userId="b00fc067-4288-4d72-a1a2-55316581d833" providerId="ADAL" clId="{542A69B5-22B0-4AFA-9B42-EDEEBF86FE1B}" dt="2023-04-21T17:29:08.549" v="135" actId="26606"/>
           <ac:spMkLst>
             <pc:docMk/>
             <pc:sldMk cId="3003864728" sldId="277"/>
@@ -5895,6 +5895,14 @@
           </ac:spMkLst>
         </pc:spChg>
         <pc:spChg chg="add del mod">
+          <ac:chgData name="Hadi Aghazadeh" userId="b00fc067-4288-4d72-a1a2-55316581d833" providerId="ADAL" clId="{542A69B5-22B0-4AFA-9B42-EDEEBF86FE1B}" dt="2023-04-21T17:29:05.449" v="131"/>
+          <ac:spMkLst>
+            <pc:docMk/>
+            <pc:sldMk cId="3003864728" sldId="277"/>
+            <ac:spMk id="5" creationId="{DBDA9BB2-E6B0-FAA3-C8F9-13C714733281}"/>
+          </ac:spMkLst>
+        </pc:spChg>
+        <pc:spChg chg="add del mod">
           <ac:chgData name="Hadi Aghazadeh" userId="b00fc067-4288-4d72-a1a2-55316581d833" providerId="ADAL" clId="{542A69B5-22B0-4AFA-9B42-EDEEBF86FE1B}" dt="2023-04-21T14:31:33.467" v="90"/>
           <ac:spMkLst>
             <pc:docMk/>
@@ -6134,20 +6142,36 @@
             <ac:spMk id="1074" creationId="{3873B707-463F-40B0-8227-E8CC6C67EB25}"/>
           </ac:spMkLst>
         </pc:spChg>
-        <pc:spChg chg="add">
-          <ac:chgData name="Hadi Aghazadeh" userId="b00fc067-4288-4d72-a1a2-55316581d833" providerId="ADAL" clId="{542A69B5-22B0-4AFA-9B42-EDEEBF86FE1B}" dt="2023-04-21T16:21:26.208" v="119" actId="26606"/>
+        <pc:spChg chg="add del">
+          <ac:chgData name="Hadi Aghazadeh" userId="b00fc067-4288-4d72-a1a2-55316581d833" providerId="ADAL" clId="{542A69B5-22B0-4AFA-9B42-EDEEBF86FE1B}" dt="2023-04-21T17:29:08.549" v="135" actId="26606"/>
           <ac:spMkLst>
             <pc:docMk/>
             <pc:sldMk cId="3003864728" sldId="277"/>
             <ac:spMk id="1076" creationId="{6753252F-4873-4F63-801D-CC719279A7D5}"/>
           </ac:spMkLst>
         </pc:spChg>
-        <pc:spChg chg="add">
-          <ac:chgData name="Hadi Aghazadeh" userId="b00fc067-4288-4d72-a1a2-55316581d833" providerId="ADAL" clId="{542A69B5-22B0-4AFA-9B42-EDEEBF86FE1B}" dt="2023-04-21T16:21:26.208" v="119" actId="26606"/>
+        <pc:spChg chg="add del">
+          <ac:chgData name="Hadi Aghazadeh" userId="b00fc067-4288-4d72-a1a2-55316581d833" providerId="ADAL" clId="{542A69B5-22B0-4AFA-9B42-EDEEBF86FE1B}" dt="2023-04-21T17:29:08.549" v="135" actId="26606"/>
           <ac:spMkLst>
             <pc:docMk/>
             <pc:sldMk cId="3003864728" sldId="277"/>
             <ac:spMk id="1077" creationId="{047C8CCB-F95D-4249-92DD-651249D3535A}"/>
+          </ac:spMkLst>
+        </pc:spChg>
+        <pc:spChg chg="add">
+          <ac:chgData name="Hadi Aghazadeh" userId="b00fc067-4288-4d72-a1a2-55316581d833" providerId="ADAL" clId="{542A69B5-22B0-4AFA-9B42-EDEEBF86FE1B}" dt="2023-04-21T17:29:08.549" v="135" actId="26606"/>
+          <ac:spMkLst>
+            <pc:docMk/>
+            <pc:sldMk cId="3003864728" sldId="277"/>
+            <ac:spMk id="1082" creationId="{6753252F-4873-4F63-801D-CC719279A7D5}"/>
+          </ac:spMkLst>
+        </pc:spChg>
+        <pc:spChg chg="add">
+          <ac:chgData name="Hadi Aghazadeh" userId="b00fc067-4288-4d72-a1a2-55316581d833" providerId="ADAL" clId="{542A69B5-22B0-4AFA-9B42-EDEEBF86FE1B}" dt="2023-04-21T17:29:08.549" v="135" actId="26606"/>
+          <ac:spMkLst>
+            <pc:docMk/>
+            <pc:sldMk cId="3003864728" sldId="277"/>
+            <ac:spMk id="1084" creationId="{047C8CCB-F95D-4249-92DD-651249D3535A}"/>
           </ac:spMkLst>
         </pc:spChg>
         <pc:grpChg chg="del">
@@ -6174,6 +6198,14 @@
             <ac:picMk id="5" creationId="{8F9799F8-6119-2F1E-8911-5FC79D413C29}"/>
           </ac:picMkLst>
         </pc:picChg>
+        <pc:picChg chg="add mod">
+          <ac:chgData name="Hadi Aghazadeh" userId="b00fc067-4288-4d72-a1a2-55316581d833" providerId="ADAL" clId="{542A69B5-22B0-4AFA-9B42-EDEEBF86FE1B}" dt="2023-04-21T17:29:14.460" v="138" actId="14100"/>
+          <ac:picMkLst>
+            <pc:docMk/>
+            <pc:sldMk cId="3003864728" sldId="277"/>
+            <ac:picMk id="7" creationId="{2F30ADAB-BBEB-0800-E9A7-16F1F89AA915}"/>
+          </ac:picMkLst>
+        </pc:picChg>
         <pc:picChg chg="add del mod">
           <ac:chgData name="Hadi Aghazadeh" userId="b00fc067-4288-4d72-a1a2-55316581d833" providerId="ADAL" clId="{542A69B5-22B0-4AFA-9B42-EDEEBF86FE1B}" dt="2023-04-21T14:31:50.669" v="91" actId="478"/>
           <ac:picMkLst>
@@ -6182,8 +6214,8 @@
             <ac:picMk id="7" creationId="{E3929BF3-6129-4C49-0640-FDDAE840FBDE}"/>
           </ac:picMkLst>
         </pc:picChg>
-        <pc:picChg chg="add mod">
-          <ac:chgData name="Hadi Aghazadeh" userId="b00fc067-4288-4d72-a1a2-55316581d833" providerId="ADAL" clId="{542A69B5-22B0-4AFA-9B42-EDEEBF86FE1B}" dt="2023-04-21T16:21:37.012" v="123" actId="1037"/>
+        <pc:picChg chg="add del mod">
+          <ac:chgData name="Hadi Aghazadeh" userId="b00fc067-4288-4d72-a1a2-55316581d833" providerId="ADAL" clId="{542A69B5-22B0-4AFA-9B42-EDEEBF86FE1B}" dt="2023-04-21T17:29:05.182" v="130" actId="478"/>
           <ac:picMkLst>
             <pc:docMk/>
             <pc:sldMk cId="3003864728" sldId="277"/>
@@ -13947,7 +13979,7 @@
       </p:grpSpPr>
       <p:sp>
         <p:nvSpPr>
-          <p:cNvPr id="1076" name="Rectangle 1064">
+          <p:cNvPr id="1082" name="Rectangle 1081">
             <a:extLst>
               <a:ext uri="{FF2B5EF4-FFF2-40B4-BE49-F238E27FC236}">
                 <a16:creationId xmlns:a16="http://schemas.microsoft.com/office/drawing/2014/main" id="{6753252F-4873-4F63-801D-CC719279A7D5}"/>
@@ -14010,7 +14042,7 @@
       </p:sp>
       <p:sp>
         <p:nvSpPr>
-          <p:cNvPr id="1077" name="Rectangle 1066">
+          <p:cNvPr id="1084" name="Rectangle 1083">
             <a:extLst>
               <a:ext uri="{FF2B5EF4-FFF2-40B4-BE49-F238E27FC236}">
                 <a16:creationId xmlns:a16="http://schemas.microsoft.com/office/drawing/2014/main" id="{047C8CCB-F95D-4249-92DD-651249D3535A}"/>
@@ -14040,7 +14072,7 @@
             <a:avLst/>
           </a:prstGeom>
           <a:solidFill>
-            <a:srgbClr val="44666A"/>
+            <a:srgbClr val="3E5355"/>
           </a:solidFill>
           <a:ln>
             <a:noFill/>
@@ -14116,7 +14148,7 @@
               </a:lnSpc>
             </a:pPr>
             <a:r>
-              <a:rPr lang="en-US" sz="2600" kern="1200">
+              <a:rPr lang="en-US" sz="2600" kern="1200" dirty="0">
                 <a:solidFill>
                   <a:srgbClr val="FFFFFF"/>
                 </a:solidFill>
@@ -14131,10 +14163,10 @@
       </p:sp>
       <p:pic>
         <p:nvPicPr>
-          <p:cNvPr id="12" name="Content Placeholder 11" descr="Diagram&#10;&#10;Description automatically generated">
+          <p:cNvPr id="7" name="Content Placeholder 6" descr="Diagram&#10;&#10;Description automatically generated">
             <a:extLst>
               <a:ext uri="{FF2B5EF4-FFF2-40B4-BE49-F238E27FC236}">
-                <a16:creationId xmlns:a16="http://schemas.microsoft.com/office/drawing/2014/main" id="{7A3853C4-EB17-1BEA-BCC6-A513FA0CF474}"/>
+                <a16:creationId xmlns:a16="http://schemas.microsoft.com/office/drawing/2014/main" id="{2F30ADAB-BBEB-0800-E9A7-16F1F89AA915}"/>
               </a:ext>
             </a:extLst>
           </p:cNvPr>
@@ -14153,8 +14185,8 @@
         </p:blipFill>
         <p:spPr>
           <a:xfrm>
-            <a:off x="3668752" y="167517"/>
-            <a:ext cx="7630354" cy="6314117"/>
+            <a:off x="4032514" y="148420"/>
+            <a:ext cx="7676266" cy="6390492"/>
           </a:xfrm>
           <a:prstGeom prst="rect">
             <a:avLst/>
@@ -14333,8 +14365,8 @@
         </p:nvSpPr>
         <p:spPr>
           <a:xfrm>
-            <a:off x="7331384" y="679731"/>
-            <a:ext cx="4171994" cy="3736540"/>
+            <a:off x="7331384" y="1594988"/>
+            <a:ext cx="4171994" cy="2342144"/>
           </a:xfrm>
         </p:spPr>
         <p:txBody>
@@ -14349,7 +14381,7 @@
               </a:lnSpc>
             </a:pPr>
             <a:r>
-              <a:rPr lang="en-US" sz="4700" kern="1200">
+              <a:rPr lang="en-US" sz="4400" kern="1200" dirty="0">
                 <a:solidFill>
                   <a:schemeClr val="tx1"/>
                 </a:solidFill>
@@ -14380,7 +14412,7 @@
         </p:nvSpPr>
         <p:spPr>
           <a:xfrm>
-            <a:off x="7331384" y="4685288"/>
+            <a:off x="7412703" y="4361467"/>
             <a:ext cx="4171994" cy="1035781"/>
           </a:xfrm>
         </p:spPr>
@@ -14850,7 +14882,7 @@
                 </a:solidFill>
                 <a:latin typeface="+mj-lt"/>
               </a:rPr>
-              <a:t>Criteria representations- Gas Emissions</a:t>
+              <a:t>Criteria Representations- Gas Emissions</a:t>
             </a:r>
           </a:p>
         </p:txBody>
@@ -14887,7 +14919,7 @@
               <a:buNone/>
             </a:pPr>
             <a:r>
-              <a:rPr lang="en-US" sz="2400"/>
+              <a:rPr lang="en-US" sz="2400" dirty="0"/>
               <a:t>For Gas emissions, Calgary’s tree data has been used.</a:t>
             </a:r>
           </a:p>
@@ -15803,6 +15835,21 @@
 </file>
 
 <file path=customXml/item1.xml><?xml version="1.0" encoding="utf-8"?>
+<p:properties xmlns:p="http://schemas.microsoft.com/office/2006/metadata/properties" xmlns:xsi="http://www.w3.org/2001/XMLSchema-instance" xmlns:pc="http://schemas.microsoft.com/office/infopath/2007/PartnerControls">
+  <documentManagement/>
+</p:properties>
+</file>
+
+<file path=customXml/item2.xml><?xml version="1.0" encoding="utf-8"?>
+<?mso-contentType ?>
+<FormTemplates xmlns="http://schemas.microsoft.com/sharepoint/v3/contenttype/forms">
+  <Display>DocumentLibraryForm</Display>
+  <Edit>DocumentLibraryForm</Edit>
+  <New>DocumentLibraryForm</New>
+</FormTemplates>
+</file>
+
+<file path=customXml/item3.xml><?xml version="1.0" encoding="utf-8"?>
 <ct:contentTypeSchema xmlns:ct="http://schemas.microsoft.com/office/2006/metadata/contentType" xmlns:ma="http://schemas.microsoft.com/office/2006/metadata/properties/metaAttributes" ct:_="" ma:_="" ma:contentTypeName="Document" ma:contentTypeID="0x0101008EB39ACD14D5E940972BB3020908F899" ma:contentTypeVersion="0" ma:contentTypeDescription="Create a new document." ma:contentTypeScope="" ma:versionID="cd4f962b02101eac44e4ec211e680e64">
   <xsd:schema xmlns:xsd="http://www.w3.org/2001/XMLSchema" xmlns:xs="http://www.w3.org/2001/XMLSchema" xmlns:p="http://schemas.microsoft.com/office/2006/metadata/properties" targetNamespace="http://schemas.microsoft.com/office/2006/metadata/properties" ma:root="true" ma:fieldsID="0b6c9a3818803fffc258f5932b465604">
     <xsd:element name="properties">
@@ -15916,22 +15963,30 @@
 </ct:contentTypeSchema>
 </file>
 
-<file path=customXml/item2.xml><?xml version="1.0" encoding="utf-8"?>
-<?mso-contentType ?>
-<FormTemplates xmlns="http://schemas.microsoft.com/sharepoint/v3/contenttype/forms">
-  <Display>DocumentLibraryForm</Display>
-  <Edit>DocumentLibraryForm</Edit>
-  <New>DocumentLibraryForm</New>
-</FormTemplates>
+<file path=customXml/itemProps1.xml><?xml version="1.0" encoding="utf-8"?>
+<ds:datastoreItem xmlns:ds="http://schemas.openxmlformats.org/officeDocument/2006/customXml" ds:itemID="{F0B8F560-7E6C-44AE-AFE4-924D1118F0AA}">
+  <ds:schemaRefs>
+    <ds:schemaRef ds:uri="http://purl.org/dc/elements/1.1/"/>
+    <ds:schemaRef ds:uri="http://purl.org/dc/terms/"/>
+    <ds:schemaRef ds:uri="http://schemas.microsoft.com/office/2006/documentManagement/types"/>
+    <ds:schemaRef ds:uri="http://purl.org/dc/dcmitype/"/>
+    <ds:schemaRef ds:uri="http://schemas.microsoft.com/office/2006/metadata/properties"/>
+    <ds:schemaRef ds:uri="http://schemas.microsoft.com/office/infopath/2007/PartnerControls"/>
+    <ds:schemaRef ds:uri="http://schemas.openxmlformats.org/package/2006/metadata/core-properties"/>
+    <ds:schemaRef ds:uri="http://www.w3.org/XML/1998/namespace"/>
+  </ds:schemaRefs>
+</ds:datastoreItem>
 </file>
 
-<file path=customXml/item3.xml><?xml version="1.0" encoding="utf-8"?>
-<p:properties xmlns:p="http://schemas.microsoft.com/office/2006/metadata/properties" xmlns:xsi="http://www.w3.org/2001/XMLSchema-instance" xmlns:pc="http://schemas.microsoft.com/office/infopath/2007/PartnerControls">
-  <documentManagement/>
-</p:properties>
+<file path=customXml/itemProps2.xml><?xml version="1.0" encoding="utf-8"?>
+<ds:datastoreItem xmlns:ds="http://schemas.openxmlformats.org/officeDocument/2006/customXml" ds:itemID="{67A4AE25-BBA1-49A6-B4F8-E97286BA017A}">
+  <ds:schemaRefs>
+    <ds:schemaRef ds:uri="http://schemas.microsoft.com/sharepoint/v3/contenttype/forms"/>
+  </ds:schemaRefs>
+</ds:datastoreItem>
 </file>
 
-<file path=customXml/itemProps1.xml><?xml version="1.0" encoding="utf-8"?>
+<file path=customXml/itemProps3.xml><?xml version="1.0" encoding="utf-8"?>
 <ds:datastoreItem xmlns:ds="http://schemas.openxmlformats.org/officeDocument/2006/customXml" ds:itemID="{4BB73B85-24E2-4ABC-A119-FC9DA7949BAB}">
   <ds:schemaRefs>
     <ds:schemaRef ds:uri="http://schemas.microsoft.com/office/2006/metadata/contentType"/>
@@ -15945,27 +16000,4 @@
     <ds:schemaRef ds:uri="http://schemas.microsoft.com/office/infopath/2007/PartnerControls"/>
   </ds:schemaRefs>
 </ds:datastoreItem>
-</file>
-
-<file path=customXml/itemProps2.xml><?xml version="1.0" encoding="utf-8"?>
-<ds:datastoreItem xmlns:ds="http://schemas.openxmlformats.org/officeDocument/2006/customXml" ds:itemID="{67A4AE25-BBA1-49A6-B4F8-E97286BA017A}">
-  <ds:schemaRefs>
-    <ds:schemaRef ds:uri="http://schemas.microsoft.com/sharepoint/v3/contenttype/forms"/>
-  </ds:schemaRefs>
-</ds:datastoreItem>
-</file>
-
-<file path=customXml/itemProps3.xml><?xml version="1.0" encoding="utf-8"?>
-<ds:datastoreItem xmlns:ds="http://schemas.openxmlformats.org/officeDocument/2006/customXml" ds:itemID="{F0B8F560-7E6C-44AE-AFE4-924D1118F0AA}">
-  <ds:schemaRefs>
-    <ds:schemaRef ds:uri="http://purl.org/dc/elements/1.1/"/>
-    <ds:schemaRef ds:uri="http://purl.org/dc/terms/"/>
-    <ds:schemaRef ds:uri="http://schemas.microsoft.com/office/2006/documentManagement/types"/>
-    <ds:schemaRef ds:uri="http://purl.org/dc/dcmitype/"/>
-    <ds:schemaRef ds:uri="http://schemas.microsoft.com/office/2006/metadata/properties"/>
-    <ds:schemaRef ds:uri="http://schemas.microsoft.com/office/infopath/2007/PartnerControls"/>
-    <ds:schemaRef ds:uri="http://schemas.openxmlformats.org/package/2006/metadata/core-properties"/>
-    <ds:schemaRef ds:uri="http://www.w3.org/XML/1998/namespace"/>
-  </ds:schemaRefs>
-</ds:datastoreItem>
 </file>
--- a/Report/FinalProjectPresentation-Demo.pptx
+++ b/Report/FinalProjectPresentation-Demo.pptx
@@ -132,7 +132,7 @@
 <file path=ppt/revisionInfo.xml><?xml version="1.0" encoding="utf-8"?>
 <p1510:revInfo xmlns:a="http://schemas.openxmlformats.org/drawingml/2006/main" xmlns:r="http://schemas.openxmlformats.org/officeDocument/2006/relationships" xmlns:p1510="http://schemas.microsoft.com/office/powerpoint/2015/10/main">
   <p1510:revLst>
-    <p1510:client id="{542A69B5-22B0-4AFA-9B42-EDEEBF86FE1B}" v="10" dt="2023-04-21T17:29:05.449"/>
+    <p1510:client id="{542A69B5-22B0-4AFA-9B42-EDEEBF86FE1B}" v="11" dt="2023-04-21T17:44:57.892"/>
   </p1510:revLst>
 </p1510:revInfo>
 </file>
@@ -5561,7 +5561,7 @@
   <pc:docChgLst>
     <pc:chgData name="Hadi Aghazadeh" userId="b00fc067-4288-4d72-a1a2-55316581d833" providerId="ADAL" clId="{542A69B5-22B0-4AFA-9B42-EDEEBF86FE1B}"/>
     <pc:docChg chg="undo custSel addSld delSld modSld sldOrd">
-      <pc:chgData name="Hadi Aghazadeh" userId="b00fc067-4288-4d72-a1a2-55316581d833" providerId="ADAL" clId="{542A69B5-22B0-4AFA-9B42-EDEEBF86FE1B}" dt="2023-04-21T17:29:48.986" v="146" actId="20577"/>
+      <pc:chgData name="Hadi Aghazadeh" userId="b00fc067-4288-4d72-a1a2-55316581d833" providerId="ADAL" clId="{542A69B5-22B0-4AFA-9B42-EDEEBF86FE1B}" dt="2023-04-21T17:45:11.022" v="155" actId="1076"/>
       <pc:docMkLst>
         <pc:docMk/>
       </pc:docMkLst>
@@ -5873,7 +5873,7 @@
         </pc:picChg>
       </pc:sldChg>
       <pc:sldChg chg="addSp delSp modSp add mod ord">
-        <pc:chgData name="Hadi Aghazadeh" userId="b00fc067-4288-4d72-a1a2-55316581d833" providerId="ADAL" clId="{542A69B5-22B0-4AFA-9B42-EDEEBF86FE1B}" dt="2023-04-21T17:29:14.460" v="138" actId="14100"/>
+        <pc:chgData name="Hadi Aghazadeh" userId="b00fc067-4288-4d72-a1a2-55316581d833" providerId="ADAL" clId="{542A69B5-22B0-4AFA-9B42-EDEEBF86FE1B}" dt="2023-04-21T17:45:11.022" v="155" actId="1076"/>
         <pc:sldMkLst>
           <pc:docMk/>
           <pc:sldMk cId="3003864728" sldId="277"/>
@@ -5887,7 +5887,7 @@
           </ac:spMkLst>
         </pc:spChg>
         <pc:spChg chg="mod ord">
-          <ac:chgData name="Hadi Aghazadeh" userId="b00fc067-4288-4d72-a1a2-55316581d833" providerId="ADAL" clId="{542A69B5-22B0-4AFA-9B42-EDEEBF86FE1B}" dt="2023-04-21T17:29:08.549" v="135" actId="26606"/>
+          <ac:chgData name="Hadi Aghazadeh" userId="b00fc067-4288-4d72-a1a2-55316581d833" providerId="ADAL" clId="{542A69B5-22B0-4AFA-9B42-EDEEBF86FE1B}" dt="2023-04-21T17:45:01.371" v="152" actId="26606"/>
           <ac:spMkLst>
             <pc:docMk/>
             <pc:sldMk cId="3003864728" sldId="277"/>
@@ -5895,6 +5895,14 @@
           </ac:spMkLst>
         </pc:spChg>
         <pc:spChg chg="add del mod">
+          <ac:chgData name="Hadi Aghazadeh" userId="b00fc067-4288-4d72-a1a2-55316581d833" providerId="ADAL" clId="{542A69B5-22B0-4AFA-9B42-EDEEBF86FE1B}" dt="2023-04-21T17:44:57.892" v="148"/>
+          <ac:spMkLst>
+            <pc:docMk/>
+            <pc:sldMk cId="3003864728" sldId="277"/>
+            <ac:spMk id="5" creationId="{70089187-D0C2-D6C8-8096-04B0532F3D30}"/>
+          </ac:spMkLst>
+        </pc:spChg>
+        <pc:spChg chg="add del mod">
           <ac:chgData name="Hadi Aghazadeh" userId="b00fc067-4288-4d72-a1a2-55316581d833" providerId="ADAL" clId="{542A69B5-22B0-4AFA-9B42-EDEEBF86FE1B}" dt="2023-04-21T17:29:05.449" v="131"/>
           <ac:spMkLst>
             <pc:docMk/>
@@ -6158,20 +6166,36 @@
             <ac:spMk id="1077" creationId="{047C8CCB-F95D-4249-92DD-651249D3535A}"/>
           </ac:spMkLst>
         </pc:spChg>
-        <pc:spChg chg="add">
-          <ac:chgData name="Hadi Aghazadeh" userId="b00fc067-4288-4d72-a1a2-55316581d833" providerId="ADAL" clId="{542A69B5-22B0-4AFA-9B42-EDEEBF86FE1B}" dt="2023-04-21T17:29:08.549" v="135" actId="26606"/>
+        <pc:spChg chg="add del">
+          <ac:chgData name="Hadi Aghazadeh" userId="b00fc067-4288-4d72-a1a2-55316581d833" providerId="ADAL" clId="{542A69B5-22B0-4AFA-9B42-EDEEBF86FE1B}" dt="2023-04-21T17:45:01.371" v="152" actId="26606"/>
           <ac:spMkLst>
             <pc:docMk/>
             <pc:sldMk cId="3003864728" sldId="277"/>
             <ac:spMk id="1082" creationId="{6753252F-4873-4F63-801D-CC719279A7D5}"/>
           </ac:spMkLst>
         </pc:spChg>
-        <pc:spChg chg="add">
-          <ac:chgData name="Hadi Aghazadeh" userId="b00fc067-4288-4d72-a1a2-55316581d833" providerId="ADAL" clId="{542A69B5-22B0-4AFA-9B42-EDEEBF86FE1B}" dt="2023-04-21T17:29:08.549" v="135" actId="26606"/>
+        <pc:spChg chg="add del">
+          <ac:chgData name="Hadi Aghazadeh" userId="b00fc067-4288-4d72-a1a2-55316581d833" providerId="ADAL" clId="{542A69B5-22B0-4AFA-9B42-EDEEBF86FE1B}" dt="2023-04-21T17:45:01.371" v="152" actId="26606"/>
           <ac:spMkLst>
             <pc:docMk/>
             <pc:sldMk cId="3003864728" sldId="277"/>
             <ac:spMk id="1084" creationId="{047C8CCB-F95D-4249-92DD-651249D3535A}"/>
+          </ac:spMkLst>
+        </pc:spChg>
+        <pc:spChg chg="add">
+          <ac:chgData name="Hadi Aghazadeh" userId="b00fc067-4288-4d72-a1a2-55316581d833" providerId="ADAL" clId="{542A69B5-22B0-4AFA-9B42-EDEEBF86FE1B}" dt="2023-04-21T17:45:01.371" v="152" actId="26606"/>
+          <ac:spMkLst>
+            <pc:docMk/>
+            <pc:sldMk cId="3003864728" sldId="277"/>
+            <ac:spMk id="1089" creationId="{6753252F-4873-4F63-801D-CC719279A7D5}"/>
+          </ac:spMkLst>
+        </pc:spChg>
+        <pc:spChg chg="add">
+          <ac:chgData name="Hadi Aghazadeh" userId="b00fc067-4288-4d72-a1a2-55316581d833" providerId="ADAL" clId="{542A69B5-22B0-4AFA-9B42-EDEEBF86FE1B}" dt="2023-04-21T17:45:01.371" v="152" actId="26606"/>
+          <ac:spMkLst>
+            <pc:docMk/>
+            <pc:sldMk cId="3003864728" sldId="277"/>
+            <ac:spMk id="1091" creationId="{047C8CCB-F95D-4249-92DD-651249D3535A}"/>
           </ac:spMkLst>
         </pc:spChg>
         <pc:grpChg chg="del">
@@ -6198,8 +6222,8 @@
             <ac:picMk id="5" creationId="{8F9799F8-6119-2F1E-8911-5FC79D413C29}"/>
           </ac:picMkLst>
         </pc:picChg>
-        <pc:picChg chg="add mod">
-          <ac:chgData name="Hadi Aghazadeh" userId="b00fc067-4288-4d72-a1a2-55316581d833" providerId="ADAL" clId="{542A69B5-22B0-4AFA-9B42-EDEEBF86FE1B}" dt="2023-04-21T17:29:14.460" v="138" actId="14100"/>
+        <pc:picChg chg="add del mod">
+          <ac:chgData name="Hadi Aghazadeh" userId="b00fc067-4288-4d72-a1a2-55316581d833" providerId="ADAL" clId="{542A69B5-22B0-4AFA-9B42-EDEEBF86FE1B}" dt="2023-04-21T17:44:57.683" v="147" actId="478"/>
           <ac:picMkLst>
             <pc:docMk/>
             <pc:sldMk cId="3003864728" sldId="277"/>
@@ -6212,6 +6236,14 @@
             <pc:docMk/>
             <pc:sldMk cId="3003864728" sldId="277"/>
             <ac:picMk id="7" creationId="{E3929BF3-6129-4C49-0640-FDDAE840FBDE}"/>
+          </ac:picMkLst>
+        </pc:picChg>
+        <pc:picChg chg="add mod">
+          <ac:chgData name="Hadi Aghazadeh" userId="b00fc067-4288-4d72-a1a2-55316581d833" providerId="ADAL" clId="{542A69B5-22B0-4AFA-9B42-EDEEBF86FE1B}" dt="2023-04-21T17:45:11.022" v="155" actId="1076"/>
+          <ac:picMkLst>
+            <pc:docMk/>
+            <pc:sldMk cId="3003864728" sldId="277"/>
+            <ac:picMk id="8" creationId="{F0041DBE-FB26-0245-EDA3-21FDEF5EA99F}"/>
           </ac:picMkLst>
         </pc:picChg>
         <pc:picChg chg="add del mod">
@@ -13979,7 +14011,7 @@
       </p:grpSpPr>
       <p:sp>
         <p:nvSpPr>
-          <p:cNvPr id="1082" name="Rectangle 1081">
+          <p:cNvPr id="1089" name="Rectangle 1088">
             <a:extLst>
               <a:ext uri="{FF2B5EF4-FFF2-40B4-BE49-F238E27FC236}">
                 <a16:creationId xmlns:a16="http://schemas.microsoft.com/office/drawing/2014/main" id="{6753252F-4873-4F63-801D-CC719279A7D5}"/>
@@ -14042,7 +14074,7 @@
       </p:sp>
       <p:sp>
         <p:nvSpPr>
-          <p:cNvPr id="1084" name="Rectangle 1083">
+          <p:cNvPr id="1091" name="Rectangle 1090">
             <a:extLst>
               <a:ext uri="{FF2B5EF4-FFF2-40B4-BE49-F238E27FC236}">
                 <a16:creationId xmlns:a16="http://schemas.microsoft.com/office/drawing/2014/main" id="{047C8CCB-F95D-4249-92DD-651249D3535A}"/>
@@ -14163,10 +14195,10 @@
       </p:sp>
       <p:pic>
         <p:nvPicPr>
-          <p:cNvPr id="7" name="Content Placeholder 6" descr="Diagram&#10;&#10;Description automatically generated">
+          <p:cNvPr id="8" name="Content Placeholder 7" descr="Diagram&#10;&#10;Description automatically generated">
             <a:extLst>
               <a:ext uri="{FF2B5EF4-FFF2-40B4-BE49-F238E27FC236}">
-                <a16:creationId xmlns:a16="http://schemas.microsoft.com/office/drawing/2014/main" id="{2F30ADAB-BBEB-0800-E9A7-16F1F89AA915}"/>
+                <a16:creationId xmlns:a16="http://schemas.microsoft.com/office/drawing/2014/main" id="{F0041DBE-FB26-0245-EDA3-21FDEF5EA99F}"/>
               </a:ext>
             </a:extLst>
           </p:cNvPr>
@@ -14185,8 +14217,8 @@
         </p:blipFill>
         <p:spPr>
           <a:xfrm>
-            <a:off x="4032514" y="148420"/>
-            <a:ext cx="7676266" cy="6390492"/>
+            <a:off x="3812974" y="136525"/>
+            <a:ext cx="7738946" cy="6442674"/>
           </a:xfrm>
           <a:prstGeom prst="rect">
             <a:avLst/>
@@ -15835,21 +15867,6 @@
 </file>
 
 <file path=customXml/item1.xml><?xml version="1.0" encoding="utf-8"?>
-<p:properties xmlns:p="http://schemas.microsoft.com/office/2006/metadata/properties" xmlns:xsi="http://www.w3.org/2001/XMLSchema-instance" xmlns:pc="http://schemas.microsoft.com/office/infopath/2007/PartnerControls">
-  <documentManagement/>
-</p:properties>
-</file>
-
-<file path=customXml/item2.xml><?xml version="1.0" encoding="utf-8"?>
-<?mso-contentType ?>
-<FormTemplates xmlns="http://schemas.microsoft.com/sharepoint/v3/contenttype/forms">
-  <Display>DocumentLibraryForm</Display>
-  <Edit>DocumentLibraryForm</Edit>
-  <New>DocumentLibraryForm</New>
-</FormTemplates>
-</file>
-
-<file path=customXml/item3.xml><?xml version="1.0" encoding="utf-8"?>
 <ct:contentTypeSchema xmlns:ct="http://schemas.microsoft.com/office/2006/metadata/contentType" xmlns:ma="http://schemas.microsoft.com/office/2006/metadata/properties/metaAttributes" ct:_="" ma:_="" ma:contentTypeName="Document" ma:contentTypeID="0x0101008EB39ACD14D5E940972BB3020908F899" ma:contentTypeVersion="0" ma:contentTypeDescription="Create a new document." ma:contentTypeScope="" ma:versionID="cd4f962b02101eac44e4ec211e680e64">
   <xsd:schema xmlns:xsd="http://www.w3.org/2001/XMLSchema" xmlns:xs="http://www.w3.org/2001/XMLSchema" xmlns:p="http://schemas.microsoft.com/office/2006/metadata/properties" targetNamespace="http://schemas.microsoft.com/office/2006/metadata/properties" ma:root="true" ma:fieldsID="0b6c9a3818803fffc258f5932b465604">
     <xsd:element name="properties">
@@ -15963,17 +15980,33 @@
 </ct:contentTypeSchema>
 </file>
 
+<file path=customXml/item2.xml><?xml version="1.0" encoding="utf-8"?>
+<?mso-contentType ?>
+<FormTemplates xmlns="http://schemas.microsoft.com/sharepoint/v3/contenttype/forms">
+  <Display>DocumentLibraryForm</Display>
+  <Edit>DocumentLibraryForm</Edit>
+  <New>DocumentLibraryForm</New>
+</FormTemplates>
+</file>
+
+<file path=customXml/item3.xml><?xml version="1.0" encoding="utf-8"?>
+<p:properties xmlns:p="http://schemas.microsoft.com/office/2006/metadata/properties" xmlns:xsi="http://www.w3.org/2001/XMLSchema-instance" xmlns:pc="http://schemas.microsoft.com/office/infopath/2007/PartnerControls">
+  <documentManagement/>
+</p:properties>
+</file>
+
 <file path=customXml/itemProps1.xml><?xml version="1.0" encoding="utf-8"?>
-<ds:datastoreItem xmlns:ds="http://schemas.openxmlformats.org/officeDocument/2006/customXml" ds:itemID="{F0B8F560-7E6C-44AE-AFE4-924D1118F0AA}">
+<ds:datastoreItem xmlns:ds="http://schemas.openxmlformats.org/officeDocument/2006/customXml" ds:itemID="{4BB73B85-24E2-4ABC-A119-FC9DA7949BAB}">
   <ds:schemaRefs>
+    <ds:schemaRef ds:uri="http://schemas.microsoft.com/office/2006/metadata/contentType"/>
+    <ds:schemaRef ds:uri="http://schemas.microsoft.com/office/2006/metadata/properties/metaAttributes"/>
+    <ds:schemaRef ds:uri="http://www.w3.org/2001/XMLSchema"/>
+    <ds:schemaRef ds:uri="http://schemas.microsoft.com/office/2006/metadata/properties"/>
+    <ds:schemaRef ds:uri="http://schemas.openxmlformats.org/package/2006/metadata/core-properties"/>
     <ds:schemaRef ds:uri="http://purl.org/dc/elements/1.1/"/>
     <ds:schemaRef ds:uri="http://purl.org/dc/terms/"/>
-    <ds:schemaRef ds:uri="http://schemas.microsoft.com/office/2006/documentManagement/types"/>
-    <ds:schemaRef ds:uri="http://purl.org/dc/dcmitype/"/>
-    <ds:schemaRef ds:uri="http://schemas.microsoft.com/office/2006/metadata/properties"/>
+    <ds:schemaRef ds:uri="http://schemas.microsoft.com/internal/obd"/>
     <ds:schemaRef ds:uri="http://schemas.microsoft.com/office/infopath/2007/PartnerControls"/>
-    <ds:schemaRef ds:uri="http://schemas.openxmlformats.org/package/2006/metadata/core-properties"/>
-    <ds:schemaRef ds:uri="http://www.w3.org/XML/1998/namespace"/>
   </ds:schemaRefs>
 </ds:datastoreItem>
 </file>
@@ -15987,17 +16020,16 @@
 </file>
 
 <file path=customXml/itemProps3.xml><?xml version="1.0" encoding="utf-8"?>
-<ds:datastoreItem xmlns:ds="http://schemas.openxmlformats.org/officeDocument/2006/customXml" ds:itemID="{4BB73B85-24E2-4ABC-A119-FC9DA7949BAB}">
+<ds:datastoreItem xmlns:ds="http://schemas.openxmlformats.org/officeDocument/2006/customXml" ds:itemID="{F0B8F560-7E6C-44AE-AFE4-924D1118F0AA}">
   <ds:schemaRefs>
-    <ds:schemaRef ds:uri="http://schemas.microsoft.com/office/2006/metadata/contentType"/>
-    <ds:schemaRef ds:uri="http://schemas.microsoft.com/office/2006/metadata/properties/metaAttributes"/>
-    <ds:schemaRef ds:uri="http://www.w3.org/2001/XMLSchema"/>
-    <ds:schemaRef ds:uri="http://schemas.microsoft.com/office/2006/metadata/properties"/>
-    <ds:schemaRef ds:uri="http://schemas.openxmlformats.org/package/2006/metadata/core-properties"/>
     <ds:schemaRef ds:uri="http://purl.org/dc/elements/1.1/"/>
     <ds:schemaRef ds:uri="http://purl.org/dc/terms/"/>
-    <ds:schemaRef ds:uri="http://schemas.microsoft.com/internal/obd"/>
+    <ds:schemaRef ds:uri="http://schemas.microsoft.com/office/2006/documentManagement/types"/>
+    <ds:schemaRef ds:uri="http://purl.org/dc/dcmitype/"/>
+    <ds:schemaRef ds:uri="http://schemas.microsoft.com/office/2006/metadata/properties"/>
     <ds:schemaRef ds:uri="http://schemas.microsoft.com/office/infopath/2007/PartnerControls"/>
+    <ds:schemaRef ds:uri="http://schemas.openxmlformats.org/package/2006/metadata/core-properties"/>
+    <ds:schemaRef ds:uri="http://www.w3.org/XML/1998/namespace"/>
   </ds:schemaRefs>
 </ds:datastoreItem>
 </file>